--- a/exampleCourse/questions/gallery/multipleChoice/prepareImages.pptx
+++ b/exampleCourse/questions/gallery/multipleChoice/prepareImages.pptx
@@ -7,6 +7,7 @@
   <p:sldIdLst>
     <p:sldId id="257" r:id="rId2"/>
     <p:sldId id="258" r:id="rId3"/>
+    <p:sldId id="259" r:id="rId4"/>
   </p:sldIdLst>
   <p:sldSz cx="12192000" cy="6858000"/>
   <p:notesSz cx="6858000" cy="9144000"/>
@@ -4978,6 +4979,456 @@
 </p:sld>
 </file>
 
+<file path=ppt/slides/slide3.xml><?xml version="1.0" encoding="utf-8"?>
+<p:sld xmlns:a="http://schemas.openxmlformats.org/drawingml/2006/main" xmlns:r="http://schemas.openxmlformats.org/officeDocument/2006/relationships" xmlns:p="http://schemas.openxmlformats.org/presentationml/2006/main">
+  <p:cSld>
+    <p:spTree>
+      <p:nvGrpSpPr>
+        <p:cNvPr id="1" name=""/>
+        <p:cNvGrpSpPr/>
+        <p:nvPr/>
+      </p:nvGrpSpPr>
+      <p:grpSpPr>
+        <a:xfrm>
+          <a:off x="0" y="0"/>
+          <a:ext cx="0" cy="0"/>
+          <a:chOff x="0" y="0"/>
+          <a:chExt cx="0" cy="0"/>
+        </a:xfrm>
+      </p:grpSpPr>
+      <p:pic>
+        <p:nvPicPr>
+          <p:cNvPr id="5" name="Picture 4">
+            <a:extLst>
+              <a:ext uri="{FF2B5EF4-FFF2-40B4-BE49-F238E27FC236}">
+                <a16:creationId xmlns:a16="http://schemas.microsoft.com/office/drawing/2014/main" id="{4B8883D8-6369-7841-ABD8-BC40B6A1A147}"/>
+              </a:ext>
+            </a:extLst>
+          </p:cNvPr>
+          <p:cNvPicPr>
+            <a:picLocks noChangeAspect="1"/>
+          </p:cNvPicPr>
+          <p:nvPr/>
+        </p:nvPicPr>
+        <p:blipFill>
+          <a:blip r:embed="rId2"/>
+          <a:stretch>
+            <a:fillRect/>
+          </a:stretch>
+        </p:blipFill>
+        <p:spPr>
+          <a:xfrm>
+            <a:off x="2605391" y="28281"/>
+            <a:ext cx="7150904" cy="6858000"/>
+          </a:xfrm>
+          <a:prstGeom prst="rect">
+            <a:avLst/>
+          </a:prstGeom>
+        </p:spPr>
+      </p:pic>
+      <p:sp>
+        <p:nvSpPr>
+          <p:cNvPr id="39" name="Oval 38">
+            <a:extLst>
+              <a:ext uri="{FF2B5EF4-FFF2-40B4-BE49-F238E27FC236}">
+                <a16:creationId xmlns:a16="http://schemas.microsoft.com/office/drawing/2014/main" id="{98ECA145-8E78-EC46-8FBC-1C9C2B3FA9DF}"/>
+              </a:ext>
+            </a:extLst>
+          </p:cNvPr>
+          <p:cNvSpPr/>
+          <p:nvPr/>
+        </p:nvSpPr>
+        <p:spPr>
+          <a:xfrm>
+            <a:off x="2951807" y="819348"/>
+            <a:ext cx="437480" cy="311872"/>
+          </a:xfrm>
+          <a:prstGeom prst="ellipse">
+            <a:avLst/>
+          </a:prstGeom>
+          <a:solidFill>
+            <a:srgbClr val="7030A0">
+              <a:alpha val="20000"/>
+            </a:srgbClr>
+          </a:solidFill>
+          <a:ln>
+            <a:solidFill>
+              <a:srgbClr val="7030A0"/>
+            </a:solidFill>
+          </a:ln>
+        </p:spPr>
+        <p:style>
+          <a:lnRef idx="2">
+            <a:schemeClr val="accent1">
+              <a:shade val="50000"/>
+            </a:schemeClr>
+          </a:lnRef>
+          <a:fillRef idx="1">
+            <a:schemeClr val="accent1"/>
+          </a:fillRef>
+          <a:effectRef idx="0">
+            <a:schemeClr val="accent1"/>
+          </a:effectRef>
+          <a:fontRef idx="minor">
+            <a:schemeClr val="lt1"/>
+          </a:fontRef>
+        </p:style>
+        <p:txBody>
+          <a:bodyPr rtlCol="0" anchor="ctr"/>
+          <a:lstStyle/>
+          <a:p>
+            <a:pPr algn="ctr"/>
+            <a:endParaRPr lang="en-US"/>
+          </a:p>
+        </p:txBody>
+      </p:sp>
+      <p:sp>
+        <p:nvSpPr>
+          <p:cNvPr id="40" name="Oval 39">
+            <a:extLst>
+              <a:ext uri="{FF2B5EF4-FFF2-40B4-BE49-F238E27FC236}">
+                <a16:creationId xmlns:a16="http://schemas.microsoft.com/office/drawing/2014/main" id="{F62A0876-7823-0B49-828A-30BB91494DFF}"/>
+              </a:ext>
+            </a:extLst>
+          </p:cNvPr>
+          <p:cNvSpPr/>
+          <p:nvPr/>
+        </p:nvSpPr>
+        <p:spPr>
+          <a:xfrm>
+            <a:off x="4631435" y="616276"/>
+            <a:ext cx="437480" cy="311872"/>
+          </a:xfrm>
+          <a:prstGeom prst="ellipse">
+            <a:avLst/>
+          </a:prstGeom>
+          <a:solidFill>
+            <a:srgbClr val="7030A0">
+              <a:alpha val="20000"/>
+            </a:srgbClr>
+          </a:solidFill>
+          <a:ln>
+            <a:solidFill>
+              <a:srgbClr val="7030A0"/>
+            </a:solidFill>
+          </a:ln>
+        </p:spPr>
+        <p:style>
+          <a:lnRef idx="2">
+            <a:schemeClr val="accent1">
+              <a:shade val="50000"/>
+            </a:schemeClr>
+          </a:lnRef>
+          <a:fillRef idx="1">
+            <a:schemeClr val="accent1"/>
+          </a:fillRef>
+          <a:effectRef idx="0">
+            <a:schemeClr val="accent1"/>
+          </a:effectRef>
+          <a:fontRef idx="minor">
+            <a:schemeClr val="lt1"/>
+          </a:fontRef>
+        </p:style>
+        <p:txBody>
+          <a:bodyPr rtlCol="0" anchor="ctr"/>
+          <a:lstStyle/>
+          <a:p>
+            <a:pPr algn="ctr"/>
+            <a:endParaRPr lang="en-US"/>
+          </a:p>
+        </p:txBody>
+      </p:sp>
+      <p:sp>
+        <p:nvSpPr>
+          <p:cNvPr id="41" name="Oval 40">
+            <a:extLst>
+              <a:ext uri="{FF2B5EF4-FFF2-40B4-BE49-F238E27FC236}">
+                <a16:creationId xmlns:a16="http://schemas.microsoft.com/office/drawing/2014/main" id="{C2FC69B1-AB3B-544C-B6BD-C8503366B432}"/>
+              </a:ext>
+            </a:extLst>
+          </p:cNvPr>
+          <p:cNvSpPr/>
+          <p:nvPr/>
+        </p:nvSpPr>
+        <p:spPr>
+          <a:xfrm>
+            <a:off x="7967518" y="560864"/>
+            <a:ext cx="629727" cy="367284"/>
+          </a:xfrm>
+          <a:prstGeom prst="ellipse">
+            <a:avLst/>
+          </a:prstGeom>
+          <a:solidFill>
+            <a:srgbClr val="7030A0">
+              <a:alpha val="20000"/>
+            </a:srgbClr>
+          </a:solidFill>
+          <a:ln>
+            <a:solidFill>
+              <a:srgbClr val="7030A0"/>
+            </a:solidFill>
+          </a:ln>
+        </p:spPr>
+        <p:style>
+          <a:lnRef idx="2">
+            <a:schemeClr val="accent1">
+              <a:shade val="50000"/>
+            </a:schemeClr>
+          </a:lnRef>
+          <a:fillRef idx="1">
+            <a:schemeClr val="accent1"/>
+          </a:fillRef>
+          <a:effectRef idx="0">
+            <a:schemeClr val="accent1"/>
+          </a:effectRef>
+          <a:fontRef idx="minor">
+            <a:schemeClr val="lt1"/>
+          </a:fontRef>
+        </p:style>
+        <p:txBody>
+          <a:bodyPr rtlCol="0" anchor="ctr"/>
+          <a:lstStyle/>
+          <a:p>
+            <a:pPr algn="ctr"/>
+            <a:endParaRPr lang="en-US"/>
+          </a:p>
+        </p:txBody>
+      </p:sp>
+      <p:sp>
+        <p:nvSpPr>
+          <p:cNvPr id="42" name="Oval 41">
+            <a:extLst>
+              <a:ext uri="{FF2B5EF4-FFF2-40B4-BE49-F238E27FC236}">
+                <a16:creationId xmlns:a16="http://schemas.microsoft.com/office/drawing/2014/main" id="{72408202-4F1D-B946-A5C4-11A30B63C860}"/>
+              </a:ext>
+            </a:extLst>
+          </p:cNvPr>
+          <p:cNvSpPr/>
+          <p:nvPr/>
+        </p:nvSpPr>
+        <p:spPr>
+          <a:xfrm>
+            <a:off x="6908106" y="819348"/>
+            <a:ext cx="562433" cy="367284"/>
+          </a:xfrm>
+          <a:prstGeom prst="ellipse">
+            <a:avLst/>
+          </a:prstGeom>
+          <a:solidFill>
+            <a:srgbClr val="7030A0">
+              <a:alpha val="20000"/>
+            </a:srgbClr>
+          </a:solidFill>
+          <a:ln>
+            <a:solidFill>
+              <a:srgbClr val="7030A0"/>
+            </a:solidFill>
+          </a:ln>
+        </p:spPr>
+        <p:style>
+          <a:lnRef idx="2">
+            <a:schemeClr val="accent1">
+              <a:shade val="50000"/>
+            </a:schemeClr>
+          </a:lnRef>
+          <a:fillRef idx="1">
+            <a:schemeClr val="accent1"/>
+          </a:fillRef>
+          <a:effectRef idx="0">
+            <a:schemeClr val="accent1"/>
+          </a:effectRef>
+          <a:fontRef idx="minor">
+            <a:schemeClr val="lt1"/>
+          </a:fontRef>
+        </p:style>
+        <p:txBody>
+          <a:bodyPr rtlCol="0" anchor="ctr"/>
+          <a:lstStyle/>
+          <a:p>
+            <a:pPr algn="ctr"/>
+            <a:endParaRPr lang="en-US"/>
+          </a:p>
+        </p:txBody>
+      </p:sp>
+      <p:sp>
+        <p:nvSpPr>
+          <p:cNvPr id="62" name="Rounded Rectangle 61">
+            <a:extLst>
+              <a:ext uri="{FF2B5EF4-FFF2-40B4-BE49-F238E27FC236}">
+                <a16:creationId xmlns:a16="http://schemas.microsoft.com/office/drawing/2014/main" id="{994BAB6A-84F0-2B49-B4FA-7A87509CC448}"/>
+              </a:ext>
+            </a:extLst>
+          </p:cNvPr>
+          <p:cNvSpPr/>
+          <p:nvPr/>
+        </p:nvSpPr>
+        <p:spPr>
+          <a:xfrm>
+            <a:off x="2724346" y="4095694"/>
+            <a:ext cx="6820293" cy="523221"/>
+          </a:xfrm>
+          <a:prstGeom prst="roundRect">
+            <a:avLst/>
+          </a:prstGeom>
+          <a:solidFill>
+            <a:srgbClr val="7030A0">
+              <a:alpha val="20000"/>
+            </a:srgbClr>
+          </a:solidFill>
+          <a:ln>
+            <a:solidFill>
+              <a:srgbClr val="7030A0"/>
+            </a:solidFill>
+          </a:ln>
+        </p:spPr>
+        <p:style>
+          <a:lnRef idx="2">
+            <a:schemeClr val="accent1">
+              <a:shade val="50000"/>
+            </a:schemeClr>
+          </a:lnRef>
+          <a:fillRef idx="1">
+            <a:schemeClr val="accent1"/>
+          </a:fillRef>
+          <a:effectRef idx="0">
+            <a:schemeClr val="accent1"/>
+          </a:effectRef>
+          <a:fontRef idx="minor">
+            <a:schemeClr val="lt1"/>
+          </a:fontRef>
+        </p:style>
+        <p:txBody>
+          <a:bodyPr rtlCol="0" anchor="ctr"/>
+          <a:lstStyle/>
+          <a:p>
+            <a:pPr algn="ctr"/>
+            <a:endParaRPr lang="en-US"/>
+          </a:p>
+        </p:txBody>
+      </p:sp>
+      <p:sp>
+        <p:nvSpPr>
+          <p:cNvPr id="19" name="Rounded Rectangle 18">
+            <a:extLst>
+              <a:ext uri="{FF2B5EF4-FFF2-40B4-BE49-F238E27FC236}">
+                <a16:creationId xmlns:a16="http://schemas.microsoft.com/office/drawing/2014/main" id="{90C00CD0-AF64-4A45-A2E2-A761BC0FFADB}"/>
+              </a:ext>
+            </a:extLst>
+          </p:cNvPr>
+          <p:cNvSpPr/>
+          <p:nvPr/>
+        </p:nvSpPr>
+        <p:spPr>
+          <a:xfrm>
+            <a:off x="2876747" y="4691742"/>
+            <a:ext cx="1325139" cy="1426029"/>
+          </a:xfrm>
+          <a:prstGeom prst="roundRect">
+            <a:avLst/>
+          </a:prstGeom>
+          <a:solidFill>
+            <a:srgbClr val="7030A0">
+              <a:alpha val="20000"/>
+            </a:srgbClr>
+          </a:solidFill>
+          <a:ln>
+            <a:solidFill>
+              <a:srgbClr val="7030A0"/>
+            </a:solidFill>
+          </a:ln>
+        </p:spPr>
+        <p:style>
+          <a:lnRef idx="2">
+            <a:schemeClr val="accent1">
+              <a:shade val="50000"/>
+            </a:schemeClr>
+          </a:lnRef>
+          <a:fillRef idx="1">
+            <a:schemeClr val="accent1"/>
+          </a:fillRef>
+          <a:effectRef idx="0">
+            <a:schemeClr val="accent1"/>
+          </a:effectRef>
+          <a:fontRef idx="minor">
+            <a:schemeClr val="lt1"/>
+          </a:fontRef>
+        </p:style>
+        <p:txBody>
+          <a:bodyPr rtlCol="0" anchor="ctr"/>
+          <a:lstStyle/>
+          <a:p>
+            <a:pPr algn="ctr"/>
+            <a:endParaRPr lang="en-US"/>
+          </a:p>
+        </p:txBody>
+      </p:sp>
+      <p:sp>
+        <p:nvSpPr>
+          <p:cNvPr id="3" name="Rounded Rectangle 2">
+            <a:extLst>
+              <a:ext uri="{FF2B5EF4-FFF2-40B4-BE49-F238E27FC236}">
+                <a16:creationId xmlns:a16="http://schemas.microsoft.com/office/drawing/2014/main" id="{92015818-1897-AB42-8274-145C44999468}"/>
+              </a:ext>
+            </a:extLst>
+          </p:cNvPr>
+          <p:cNvSpPr/>
+          <p:nvPr/>
+        </p:nvSpPr>
+        <p:spPr>
+          <a:xfrm>
+            <a:off x="2724346" y="1394460"/>
+            <a:ext cx="2784914" cy="2668682"/>
+          </a:xfrm>
+          <a:prstGeom prst="roundRect">
+            <a:avLst>
+              <a:gd name="adj" fmla="val 5128"/>
+            </a:avLst>
+          </a:prstGeom>
+          <a:noFill/>
+          <a:ln w="25400">
+            <a:solidFill>
+              <a:srgbClr val="7030A0"/>
+            </a:solidFill>
+          </a:ln>
+        </p:spPr>
+        <p:style>
+          <a:lnRef idx="2">
+            <a:schemeClr val="accent1">
+              <a:shade val="50000"/>
+            </a:schemeClr>
+          </a:lnRef>
+          <a:fillRef idx="1">
+            <a:schemeClr val="accent1"/>
+          </a:fillRef>
+          <a:effectRef idx="0">
+            <a:schemeClr val="accent1"/>
+          </a:effectRef>
+          <a:fontRef idx="minor">
+            <a:schemeClr val="lt1"/>
+          </a:fontRef>
+        </p:style>
+        <p:txBody>
+          <a:bodyPr rtlCol="0" anchor="ctr"/>
+          <a:lstStyle/>
+          <a:p>
+            <a:pPr algn="ctr"/>
+            <a:endParaRPr lang="en-US"/>
+          </a:p>
+        </p:txBody>
+      </p:sp>
+    </p:spTree>
+    <p:extLst>
+      <p:ext uri="{BB962C8B-B14F-4D97-AF65-F5344CB8AC3E}">
+        <p14:creationId xmlns:p14="http://schemas.microsoft.com/office/powerpoint/2010/main" val="2540376231"/>
+      </p:ext>
+    </p:extLst>
+  </p:cSld>
+  <p:clrMapOvr>
+    <a:masterClrMapping/>
+  </p:clrMapOvr>
+</p:sld>
+</file>
+
 <file path=ppt/theme/theme1.xml><?xml version="1.0" encoding="utf-8"?>
 <a:theme xmlns:a="http://schemas.openxmlformats.org/drawingml/2006/main" name="Office Theme">
   <a:themeElements>

--- a/exampleCourse/questions/gallery/multipleChoice/prepareImages.pptx
+++ b/exampleCourse/questions/gallery/multipleChoice/prepareImages.pptx
@@ -6,8 +6,9 @@
   </p:sldMasterIdLst>
   <p:sldIdLst>
     <p:sldId id="257" r:id="rId2"/>
-    <p:sldId id="258" r:id="rId3"/>
-    <p:sldId id="259" r:id="rId4"/>
+    <p:sldId id="260" r:id="rId3"/>
+    <p:sldId id="258" r:id="rId4"/>
+    <p:sldId id="259" r:id="rId5"/>
   </p:sldIdLst>
   <p:sldSz cx="12192000" cy="6858000"/>
   <p:notesSz cx="6858000" cy="9144000"/>
@@ -261,7 +262,7 @@
           <a:p>
             <a:fld id="{33856C24-E6F8-194D-8042-52ED6D42DC00}" type="datetimeFigureOut">
               <a:rPr lang="en-US" smtClean="0"/>
-              <a:t>1/9/21</a:t>
+              <a:t>1/11/21</a:t>
             </a:fld>
             <a:endParaRPr lang="en-US"/>
           </a:p>
@@ -459,7 +460,7 @@
           <a:p>
             <a:fld id="{33856C24-E6F8-194D-8042-52ED6D42DC00}" type="datetimeFigureOut">
               <a:rPr lang="en-US" smtClean="0"/>
-              <a:t>1/9/21</a:t>
+              <a:t>1/11/21</a:t>
             </a:fld>
             <a:endParaRPr lang="en-US"/>
           </a:p>
@@ -667,7 +668,7 @@
           <a:p>
             <a:fld id="{33856C24-E6F8-194D-8042-52ED6D42DC00}" type="datetimeFigureOut">
               <a:rPr lang="en-US" smtClean="0"/>
-              <a:t>1/9/21</a:t>
+              <a:t>1/11/21</a:t>
             </a:fld>
             <a:endParaRPr lang="en-US"/>
           </a:p>
@@ -865,7 +866,7 @@
           <a:p>
             <a:fld id="{33856C24-E6F8-194D-8042-52ED6D42DC00}" type="datetimeFigureOut">
               <a:rPr lang="en-US" smtClean="0"/>
-              <a:t>1/9/21</a:t>
+              <a:t>1/11/21</a:t>
             </a:fld>
             <a:endParaRPr lang="en-US"/>
           </a:p>
@@ -1140,7 +1141,7 @@
           <a:p>
             <a:fld id="{33856C24-E6F8-194D-8042-52ED6D42DC00}" type="datetimeFigureOut">
               <a:rPr lang="en-US" smtClean="0"/>
-              <a:t>1/9/21</a:t>
+              <a:t>1/11/21</a:t>
             </a:fld>
             <a:endParaRPr lang="en-US"/>
           </a:p>
@@ -1405,7 +1406,7 @@
           <a:p>
             <a:fld id="{33856C24-E6F8-194D-8042-52ED6D42DC00}" type="datetimeFigureOut">
               <a:rPr lang="en-US" smtClean="0"/>
-              <a:t>1/9/21</a:t>
+              <a:t>1/11/21</a:t>
             </a:fld>
             <a:endParaRPr lang="en-US"/>
           </a:p>
@@ -1817,7 +1818,7 @@
           <a:p>
             <a:fld id="{33856C24-E6F8-194D-8042-52ED6D42DC00}" type="datetimeFigureOut">
               <a:rPr lang="en-US" smtClean="0"/>
-              <a:t>1/9/21</a:t>
+              <a:t>1/11/21</a:t>
             </a:fld>
             <a:endParaRPr lang="en-US"/>
           </a:p>
@@ -1958,7 +1959,7 @@
           <a:p>
             <a:fld id="{33856C24-E6F8-194D-8042-52ED6D42DC00}" type="datetimeFigureOut">
               <a:rPr lang="en-US" smtClean="0"/>
-              <a:t>1/9/21</a:t>
+              <a:t>1/11/21</a:t>
             </a:fld>
             <a:endParaRPr lang="en-US"/>
           </a:p>
@@ -2071,7 +2072,7 @@
           <a:p>
             <a:fld id="{33856C24-E6F8-194D-8042-52ED6D42DC00}" type="datetimeFigureOut">
               <a:rPr lang="en-US" smtClean="0"/>
-              <a:t>1/9/21</a:t>
+              <a:t>1/11/21</a:t>
             </a:fld>
             <a:endParaRPr lang="en-US"/>
           </a:p>
@@ -2382,7 +2383,7 @@
           <a:p>
             <a:fld id="{33856C24-E6F8-194D-8042-52ED6D42DC00}" type="datetimeFigureOut">
               <a:rPr lang="en-US" smtClean="0"/>
-              <a:t>1/9/21</a:t>
+              <a:t>1/11/21</a:t>
             </a:fld>
             <a:endParaRPr lang="en-US"/>
           </a:p>
@@ -2670,7 +2671,7 @@
           <a:p>
             <a:fld id="{33856C24-E6F8-194D-8042-52ED6D42DC00}" type="datetimeFigureOut">
               <a:rPr lang="en-US" smtClean="0"/>
-              <a:t>1/9/21</a:t>
+              <a:t>1/11/21</a:t>
             </a:fld>
             <a:endParaRPr lang="en-US"/>
           </a:p>
@@ -2911,7 +2912,7 @@
           <a:p>
             <a:fld id="{33856C24-E6F8-194D-8042-52ED6D42DC00}" type="datetimeFigureOut">
               <a:rPr lang="en-US" smtClean="0"/>
-              <a:t>1/9/21</a:t>
+              <a:t>1/11/21</a:t>
             </a:fld>
             <a:endParaRPr lang="en-US"/>
           </a:p>
@@ -4056,6 +4057,707 @@
       </p:grpSpPr>
       <p:pic>
         <p:nvPicPr>
+          <p:cNvPr id="4" name="Picture 3">
+            <a:extLst>
+              <a:ext uri="{FF2B5EF4-FFF2-40B4-BE49-F238E27FC236}">
+                <a16:creationId xmlns:a16="http://schemas.microsoft.com/office/drawing/2014/main" id="{53F4790F-A559-AA4E-806D-89C6E555E909}"/>
+              </a:ext>
+            </a:extLst>
+          </p:cNvPr>
+          <p:cNvPicPr>
+            <a:picLocks noChangeAspect="1"/>
+          </p:cNvPicPr>
+          <p:nvPr/>
+        </p:nvPicPr>
+        <p:blipFill>
+          <a:blip r:embed="rId2"/>
+          <a:stretch>
+            <a:fillRect/>
+          </a:stretch>
+        </p:blipFill>
+        <p:spPr>
+          <a:xfrm>
+            <a:off x="2500592" y="0"/>
+            <a:ext cx="7190815" cy="6858000"/>
+          </a:xfrm>
+          <a:prstGeom prst="rect">
+            <a:avLst/>
+          </a:prstGeom>
+        </p:spPr>
+      </p:pic>
+      <p:cxnSp>
+        <p:nvCxnSpPr>
+          <p:cNvPr id="13" name="Straight Arrow Connector 12">
+            <a:extLst>
+              <a:ext uri="{FF2B5EF4-FFF2-40B4-BE49-F238E27FC236}">
+                <a16:creationId xmlns:a16="http://schemas.microsoft.com/office/drawing/2014/main" id="{046F1E88-9788-ED45-B990-9F2B07C456E9}"/>
+              </a:ext>
+            </a:extLst>
+          </p:cNvPr>
+          <p:cNvCxnSpPr>
+            <a:cxnSpLocks/>
+            <a:stCxn id="25" idx="0"/>
+          </p:cNvCxnSpPr>
+          <p:nvPr/>
+        </p:nvCxnSpPr>
+        <p:spPr>
+          <a:xfrm flipH="1" flipV="1">
+            <a:off x="3207358" y="1129965"/>
+            <a:ext cx="502530" cy="526492"/>
+          </a:xfrm>
+          <a:prstGeom prst="straightConnector1">
+            <a:avLst/>
+          </a:prstGeom>
+          <a:ln w="25400">
+            <a:solidFill>
+              <a:srgbClr val="7030A0"/>
+            </a:solidFill>
+            <a:tailEnd type="triangle"/>
+          </a:ln>
+        </p:spPr>
+        <p:style>
+          <a:lnRef idx="1">
+            <a:schemeClr val="accent1"/>
+          </a:lnRef>
+          <a:fillRef idx="0">
+            <a:schemeClr val="accent1"/>
+          </a:fillRef>
+          <a:effectRef idx="0">
+            <a:schemeClr val="accent1"/>
+          </a:effectRef>
+          <a:fontRef idx="minor">
+            <a:schemeClr val="tx1"/>
+          </a:fontRef>
+        </p:style>
+      </p:cxnSp>
+      <p:cxnSp>
+        <p:nvCxnSpPr>
+          <p:cNvPr id="15" name="Straight Arrow Connector 14">
+            <a:extLst>
+              <a:ext uri="{FF2B5EF4-FFF2-40B4-BE49-F238E27FC236}">
+                <a16:creationId xmlns:a16="http://schemas.microsoft.com/office/drawing/2014/main" id="{22A8A4DC-3381-2847-AB04-1DEF98853490}"/>
+              </a:ext>
+            </a:extLst>
+          </p:cNvPr>
+          <p:cNvCxnSpPr>
+            <a:cxnSpLocks/>
+          </p:cNvCxnSpPr>
+          <p:nvPr/>
+        </p:nvCxnSpPr>
+        <p:spPr>
+          <a:xfrm flipV="1">
+            <a:off x="4084466" y="928148"/>
+            <a:ext cx="603117" cy="775533"/>
+          </a:xfrm>
+          <a:prstGeom prst="straightConnector1">
+            <a:avLst/>
+          </a:prstGeom>
+          <a:ln w="25400">
+            <a:solidFill>
+              <a:srgbClr val="7030A0"/>
+            </a:solidFill>
+            <a:tailEnd type="triangle"/>
+          </a:ln>
+        </p:spPr>
+        <p:style>
+          <a:lnRef idx="1">
+            <a:schemeClr val="accent1"/>
+          </a:lnRef>
+          <a:fillRef idx="0">
+            <a:schemeClr val="accent1"/>
+          </a:fillRef>
+          <a:effectRef idx="0">
+            <a:schemeClr val="accent1"/>
+          </a:effectRef>
+          <a:fontRef idx="minor">
+            <a:schemeClr val="tx1"/>
+          </a:fontRef>
+        </p:style>
+      </p:cxnSp>
+      <p:cxnSp>
+        <p:nvCxnSpPr>
+          <p:cNvPr id="18" name="Straight Arrow Connector 17">
+            <a:extLst>
+              <a:ext uri="{FF2B5EF4-FFF2-40B4-BE49-F238E27FC236}">
+                <a16:creationId xmlns:a16="http://schemas.microsoft.com/office/drawing/2014/main" id="{BEB0938D-843C-5F44-95EA-FAE15781C15E}"/>
+              </a:ext>
+            </a:extLst>
+          </p:cNvPr>
+          <p:cNvCxnSpPr>
+            <a:cxnSpLocks/>
+          </p:cNvCxnSpPr>
+          <p:nvPr/>
+        </p:nvCxnSpPr>
+        <p:spPr>
+          <a:xfrm>
+            <a:off x="3955711" y="2228918"/>
+            <a:ext cx="1740515" cy="1827782"/>
+          </a:xfrm>
+          <a:prstGeom prst="straightConnector1">
+            <a:avLst/>
+          </a:prstGeom>
+          <a:ln w="25400">
+            <a:solidFill>
+              <a:srgbClr val="7030A0"/>
+            </a:solidFill>
+            <a:tailEnd type="triangle"/>
+          </a:ln>
+        </p:spPr>
+        <p:style>
+          <a:lnRef idx="1">
+            <a:schemeClr val="accent1"/>
+          </a:lnRef>
+          <a:fillRef idx="0">
+            <a:schemeClr val="accent1"/>
+          </a:fillRef>
+          <a:effectRef idx="0">
+            <a:schemeClr val="accent1"/>
+          </a:effectRef>
+          <a:fontRef idx="minor">
+            <a:schemeClr val="tx1"/>
+          </a:fontRef>
+        </p:style>
+      </p:cxnSp>
+      <p:cxnSp>
+        <p:nvCxnSpPr>
+          <p:cNvPr id="30" name="Straight Arrow Connector 29">
+            <a:extLst>
+              <a:ext uri="{FF2B5EF4-FFF2-40B4-BE49-F238E27FC236}">
+                <a16:creationId xmlns:a16="http://schemas.microsoft.com/office/drawing/2014/main" id="{5355A270-E250-EA4F-A6CE-15D7A2F6958E}"/>
+              </a:ext>
+            </a:extLst>
+          </p:cNvPr>
+          <p:cNvCxnSpPr>
+            <a:cxnSpLocks/>
+          </p:cNvCxnSpPr>
+          <p:nvPr/>
+        </p:nvCxnSpPr>
+        <p:spPr>
+          <a:xfrm flipV="1">
+            <a:off x="4412358" y="928148"/>
+            <a:ext cx="3699959" cy="1077833"/>
+          </a:xfrm>
+          <a:prstGeom prst="straightConnector1">
+            <a:avLst/>
+          </a:prstGeom>
+          <a:ln w="25400">
+            <a:solidFill>
+              <a:srgbClr val="7030A0"/>
+            </a:solidFill>
+            <a:tailEnd type="triangle"/>
+          </a:ln>
+        </p:spPr>
+        <p:style>
+          <a:lnRef idx="1">
+            <a:schemeClr val="accent1"/>
+          </a:lnRef>
+          <a:fillRef idx="0">
+            <a:schemeClr val="accent1"/>
+          </a:fillRef>
+          <a:effectRef idx="0">
+            <a:schemeClr val="accent1"/>
+          </a:effectRef>
+          <a:fontRef idx="minor">
+            <a:schemeClr val="tx1"/>
+          </a:fontRef>
+        </p:style>
+      </p:cxnSp>
+      <p:cxnSp>
+        <p:nvCxnSpPr>
+          <p:cNvPr id="33" name="Straight Arrow Connector 32">
+            <a:extLst>
+              <a:ext uri="{FF2B5EF4-FFF2-40B4-BE49-F238E27FC236}">
+                <a16:creationId xmlns:a16="http://schemas.microsoft.com/office/drawing/2014/main" id="{1E2936C4-440F-5E4D-8AC6-EDBD00E89C29}"/>
+              </a:ext>
+            </a:extLst>
+          </p:cNvPr>
+          <p:cNvCxnSpPr>
+            <a:cxnSpLocks/>
+          </p:cNvCxnSpPr>
+          <p:nvPr/>
+        </p:nvCxnSpPr>
+        <p:spPr>
+          <a:xfrm flipV="1">
+            <a:off x="4601967" y="1085548"/>
+            <a:ext cx="2242097" cy="668544"/>
+          </a:xfrm>
+          <a:prstGeom prst="straightConnector1">
+            <a:avLst/>
+          </a:prstGeom>
+          <a:ln w="25400">
+            <a:solidFill>
+              <a:srgbClr val="7030A0"/>
+            </a:solidFill>
+            <a:tailEnd type="triangle"/>
+          </a:ln>
+        </p:spPr>
+        <p:style>
+          <a:lnRef idx="1">
+            <a:schemeClr val="accent1"/>
+          </a:lnRef>
+          <a:fillRef idx="0">
+            <a:schemeClr val="accent1"/>
+          </a:fillRef>
+          <a:effectRef idx="0">
+            <a:schemeClr val="accent1"/>
+          </a:effectRef>
+          <a:fontRef idx="minor">
+            <a:schemeClr val="tx1"/>
+          </a:fontRef>
+        </p:style>
+      </p:cxnSp>
+      <p:sp>
+        <p:nvSpPr>
+          <p:cNvPr id="41" name="Oval 40">
+            <a:extLst>
+              <a:ext uri="{FF2B5EF4-FFF2-40B4-BE49-F238E27FC236}">
+                <a16:creationId xmlns:a16="http://schemas.microsoft.com/office/drawing/2014/main" id="{809C370D-816D-9149-9B90-7FAC7A101A68}"/>
+              </a:ext>
+            </a:extLst>
+          </p:cNvPr>
+          <p:cNvSpPr/>
+          <p:nvPr/>
+        </p:nvSpPr>
+        <p:spPr>
+          <a:xfrm>
+            <a:off x="2895245" y="819348"/>
+            <a:ext cx="437480" cy="311872"/>
+          </a:xfrm>
+          <a:prstGeom prst="ellipse">
+            <a:avLst/>
+          </a:prstGeom>
+          <a:solidFill>
+            <a:srgbClr val="7030A0">
+              <a:alpha val="20000"/>
+            </a:srgbClr>
+          </a:solidFill>
+          <a:ln>
+            <a:solidFill>
+              <a:srgbClr val="7030A0"/>
+            </a:solidFill>
+          </a:ln>
+        </p:spPr>
+        <p:style>
+          <a:lnRef idx="2">
+            <a:schemeClr val="accent1">
+              <a:shade val="50000"/>
+            </a:schemeClr>
+          </a:lnRef>
+          <a:fillRef idx="1">
+            <a:schemeClr val="accent1"/>
+          </a:fillRef>
+          <a:effectRef idx="0">
+            <a:schemeClr val="accent1"/>
+          </a:effectRef>
+          <a:fontRef idx="minor">
+            <a:schemeClr val="lt1"/>
+          </a:fontRef>
+        </p:style>
+        <p:txBody>
+          <a:bodyPr rtlCol="0" anchor="ctr"/>
+          <a:lstStyle/>
+          <a:p>
+            <a:pPr algn="ctr"/>
+            <a:endParaRPr lang="en-US"/>
+          </a:p>
+        </p:txBody>
+      </p:sp>
+      <p:sp>
+        <p:nvSpPr>
+          <p:cNvPr id="43" name="Oval 42">
+            <a:extLst>
+              <a:ext uri="{FF2B5EF4-FFF2-40B4-BE49-F238E27FC236}">
+                <a16:creationId xmlns:a16="http://schemas.microsoft.com/office/drawing/2014/main" id="{1828FAF2-007F-8A4F-843F-57614462D06A}"/>
+              </a:ext>
+            </a:extLst>
+          </p:cNvPr>
+          <p:cNvSpPr/>
+          <p:nvPr/>
+        </p:nvSpPr>
+        <p:spPr>
+          <a:xfrm>
+            <a:off x="4574873" y="616276"/>
+            <a:ext cx="437480" cy="311872"/>
+          </a:xfrm>
+          <a:prstGeom prst="ellipse">
+            <a:avLst/>
+          </a:prstGeom>
+          <a:solidFill>
+            <a:srgbClr val="7030A0">
+              <a:alpha val="20000"/>
+            </a:srgbClr>
+          </a:solidFill>
+          <a:ln>
+            <a:solidFill>
+              <a:srgbClr val="7030A0"/>
+            </a:solidFill>
+          </a:ln>
+        </p:spPr>
+        <p:style>
+          <a:lnRef idx="2">
+            <a:schemeClr val="accent1">
+              <a:shade val="50000"/>
+            </a:schemeClr>
+          </a:lnRef>
+          <a:fillRef idx="1">
+            <a:schemeClr val="accent1"/>
+          </a:fillRef>
+          <a:effectRef idx="0">
+            <a:schemeClr val="accent1"/>
+          </a:effectRef>
+          <a:fontRef idx="minor">
+            <a:schemeClr val="lt1"/>
+          </a:fontRef>
+        </p:style>
+        <p:txBody>
+          <a:bodyPr rtlCol="0" anchor="ctr"/>
+          <a:lstStyle/>
+          <a:p>
+            <a:pPr algn="ctr"/>
+            <a:endParaRPr lang="en-US"/>
+          </a:p>
+        </p:txBody>
+      </p:sp>
+      <p:sp>
+        <p:nvSpPr>
+          <p:cNvPr id="46" name="Oval 45">
+            <a:extLst>
+              <a:ext uri="{FF2B5EF4-FFF2-40B4-BE49-F238E27FC236}">
+                <a16:creationId xmlns:a16="http://schemas.microsoft.com/office/drawing/2014/main" id="{84DC977D-6889-CC4A-A4BD-047A67695DD6}"/>
+              </a:ext>
+            </a:extLst>
+          </p:cNvPr>
+          <p:cNvSpPr/>
+          <p:nvPr/>
+        </p:nvSpPr>
+        <p:spPr>
+          <a:xfrm>
+            <a:off x="7939237" y="560864"/>
+            <a:ext cx="629727" cy="367284"/>
+          </a:xfrm>
+          <a:prstGeom prst="ellipse">
+            <a:avLst/>
+          </a:prstGeom>
+          <a:solidFill>
+            <a:srgbClr val="7030A0">
+              <a:alpha val="20000"/>
+            </a:srgbClr>
+          </a:solidFill>
+          <a:ln>
+            <a:solidFill>
+              <a:srgbClr val="7030A0"/>
+            </a:solidFill>
+          </a:ln>
+        </p:spPr>
+        <p:style>
+          <a:lnRef idx="2">
+            <a:schemeClr val="accent1">
+              <a:shade val="50000"/>
+            </a:schemeClr>
+          </a:lnRef>
+          <a:fillRef idx="1">
+            <a:schemeClr val="accent1"/>
+          </a:fillRef>
+          <a:effectRef idx="0">
+            <a:schemeClr val="accent1"/>
+          </a:effectRef>
+          <a:fontRef idx="minor">
+            <a:schemeClr val="lt1"/>
+          </a:fontRef>
+        </p:style>
+        <p:txBody>
+          <a:bodyPr rtlCol="0" anchor="ctr"/>
+          <a:lstStyle/>
+          <a:p>
+            <a:pPr algn="ctr"/>
+            <a:endParaRPr lang="en-US"/>
+          </a:p>
+        </p:txBody>
+      </p:sp>
+      <p:sp>
+        <p:nvSpPr>
+          <p:cNvPr id="48" name="Oval 47">
+            <a:extLst>
+              <a:ext uri="{FF2B5EF4-FFF2-40B4-BE49-F238E27FC236}">
+                <a16:creationId xmlns:a16="http://schemas.microsoft.com/office/drawing/2014/main" id="{C56CDBB8-7361-4543-B5EF-280242F28D10}"/>
+              </a:ext>
+            </a:extLst>
+          </p:cNvPr>
+          <p:cNvSpPr/>
+          <p:nvPr/>
+        </p:nvSpPr>
+        <p:spPr>
+          <a:xfrm>
+            <a:off x="6851544" y="819348"/>
+            <a:ext cx="562433" cy="367284"/>
+          </a:xfrm>
+          <a:prstGeom prst="ellipse">
+            <a:avLst/>
+          </a:prstGeom>
+          <a:solidFill>
+            <a:srgbClr val="7030A0">
+              <a:alpha val="20000"/>
+            </a:srgbClr>
+          </a:solidFill>
+          <a:ln>
+            <a:solidFill>
+              <a:srgbClr val="7030A0"/>
+            </a:solidFill>
+          </a:ln>
+        </p:spPr>
+        <p:style>
+          <a:lnRef idx="2">
+            <a:schemeClr val="accent1">
+              <a:shade val="50000"/>
+            </a:schemeClr>
+          </a:lnRef>
+          <a:fillRef idx="1">
+            <a:schemeClr val="accent1"/>
+          </a:fillRef>
+          <a:effectRef idx="0">
+            <a:schemeClr val="accent1"/>
+          </a:effectRef>
+          <a:fontRef idx="minor">
+            <a:schemeClr val="lt1"/>
+          </a:fontRef>
+        </p:style>
+        <p:txBody>
+          <a:bodyPr rtlCol="0" anchor="ctr"/>
+          <a:lstStyle/>
+          <a:p>
+            <a:pPr algn="ctr"/>
+            <a:endParaRPr lang="en-US"/>
+          </a:p>
+        </p:txBody>
+      </p:sp>
+      <p:sp>
+        <p:nvSpPr>
+          <p:cNvPr id="50" name="Oval 49">
+            <a:extLst>
+              <a:ext uri="{FF2B5EF4-FFF2-40B4-BE49-F238E27FC236}">
+                <a16:creationId xmlns:a16="http://schemas.microsoft.com/office/drawing/2014/main" id="{94ADDA9A-C4DD-7E40-81F9-FD07C5F57CCF}"/>
+              </a:ext>
+            </a:extLst>
+          </p:cNvPr>
+          <p:cNvSpPr/>
+          <p:nvPr/>
+        </p:nvSpPr>
+        <p:spPr>
+          <a:xfrm>
+            <a:off x="5696226" y="4056700"/>
+            <a:ext cx="428055" cy="323444"/>
+          </a:xfrm>
+          <a:prstGeom prst="ellipse">
+            <a:avLst/>
+          </a:prstGeom>
+          <a:solidFill>
+            <a:srgbClr val="7030A0">
+              <a:alpha val="20000"/>
+            </a:srgbClr>
+          </a:solidFill>
+          <a:ln>
+            <a:solidFill>
+              <a:srgbClr val="7030A0"/>
+            </a:solidFill>
+          </a:ln>
+        </p:spPr>
+        <p:style>
+          <a:lnRef idx="2">
+            <a:schemeClr val="accent1">
+              <a:shade val="50000"/>
+            </a:schemeClr>
+          </a:lnRef>
+          <a:fillRef idx="1">
+            <a:schemeClr val="accent1"/>
+          </a:fillRef>
+          <a:effectRef idx="0">
+            <a:schemeClr val="accent1"/>
+          </a:effectRef>
+          <a:fontRef idx="minor">
+            <a:schemeClr val="lt1"/>
+          </a:fontRef>
+        </p:style>
+        <p:txBody>
+          <a:bodyPr rtlCol="0" anchor="ctr"/>
+          <a:lstStyle/>
+          <a:p>
+            <a:pPr algn="ctr"/>
+            <a:endParaRPr lang="en-US"/>
+          </a:p>
+        </p:txBody>
+      </p:sp>
+      <p:cxnSp>
+        <p:nvCxnSpPr>
+          <p:cNvPr id="22" name="Straight Arrow Connector 21">
+            <a:extLst>
+              <a:ext uri="{FF2B5EF4-FFF2-40B4-BE49-F238E27FC236}">
+                <a16:creationId xmlns:a16="http://schemas.microsoft.com/office/drawing/2014/main" id="{D3538329-C4B6-E94F-8EF8-BAEDC4A24EB8}"/>
+              </a:ext>
+            </a:extLst>
+          </p:cNvPr>
+          <p:cNvCxnSpPr>
+            <a:cxnSpLocks/>
+          </p:cNvCxnSpPr>
+          <p:nvPr/>
+        </p:nvCxnSpPr>
+        <p:spPr>
+          <a:xfrm flipH="1">
+            <a:off x="3668820" y="2227366"/>
+            <a:ext cx="41068" cy="2399063"/>
+          </a:xfrm>
+          <a:prstGeom prst="straightConnector1">
+            <a:avLst/>
+          </a:prstGeom>
+          <a:ln w="25400">
+            <a:solidFill>
+              <a:srgbClr val="7030A0"/>
+            </a:solidFill>
+            <a:tailEnd type="triangle"/>
+          </a:ln>
+        </p:spPr>
+        <p:style>
+          <a:lnRef idx="1">
+            <a:schemeClr val="accent1"/>
+          </a:lnRef>
+          <a:fillRef idx="0">
+            <a:schemeClr val="accent1"/>
+          </a:fillRef>
+          <a:effectRef idx="0">
+            <a:schemeClr val="accent1"/>
+          </a:effectRef>
+          <a:fontRef idx="minor">
+            <a:schemeClr val="tx1"/>
+          </a:fontRef>
+        </p:style>
+      </p:cxnSp>
+      <p:sp>
+        <p:nvSpPr>
+          <p:cNvPr id="7" name="Rounded Rectangle 6">
+            <a:extLst>
+              <a:ext uri="{FF2B5EF4-FFF2-40B4-BE49-F238E27FC236}">
+                <a16:creationId xmlns:a16="http://schemas.microsoft.com/office/drawing/2014/main" id="{952954FA-0DC4-F54C-889F-F4537F1A58BD}"/>
+              </a:ext>
+            </a:extLst>
+          </p:cNvPr>
+          <p:cNvSpPr/>
+          <p:nvPr/>
+        </p:nvSpPr>
+        <p:spPr>
+          <a:xfrm>
+            <a:off x="3012868" y="4626429"/>
+            <a:ext cx="1358421" cy="1491342"/>
+          </a:xfrm>
+          <a:prstGeom prst="roundRect">
+            <a:avLst/>
+          </a:prstGeom>
+          <a:solidFill>
+            <a:srgbClr val="7030A0">
+              <a:alpha val="20000"/>
+            </a:srgbClr>
+          </a:solidFill>
+          <a:ln w="12700">
+            <a:solidFill>
+              <a:srgbClr val="7030A0"/>
+            </a:solidFill>
+          </a:ln>
+        </p:spPr>
+        <p:style>
+          <a:lnRef idx="2">
+            <a:schemeClr val="accent1">
+              <a:shade val="50000"/>
+            </a:schemeClr>
+          </a:lnRef>
+          <a:fillRef idx="1">
+            <a:schemeClr val="accent1"/>
+          </a:fillRef>
+          <a:effectRef idx="0">
+            <a:schemeClr val="accent1"/>
+          </a:effectRef>
+          <a:fontRef idx="minor">
+            <a:schemeClr val="lt1"/>
+          </a:fontRef>
+        </p:style>
+        <p:txBody>
+          <a:bodyPr rtlCol="0" anchor="ctr"/>
+          <a:lstStyle/>
+          <a:p>
+            <a:pPr algn="ctr"/>
+            <a:endParaRPr lang="en-US"/>
+          </a:p>
+        </p:txBody>
+      </p:sp>
+      <p:sp>
+        <p:nvSpPr>
+          <p:cNvPr id="25" name="TextBox 24">
+            <a:extLst>
+              <a:ext uri="{FF2B5EF4-FFF2-40B4-BE49-F238E27FC236}">
+                <a16:creationId xmlns:a16="http://schemas.microsoft.com/office/drawing/2014/main" id="{B89E86CB-A89E-554C-822A-39984BA615C5}"/>
+              </a:ext>
+            </a:extLst>
+          </p:cNvPr>
+          <p:cNvSpPr txBox="1"/>
+          <p:nvPr/>
+        </p:nvSpPr>
+        <p:spPr>
+          <a:xfrm>
+            <a:off x="2776077" y="1656457"/>
+            <a:ext cx="1867622" cy="523220"/>
+          </a:xfrm>
+          <a:prstGeom prst="rect">
+            <a:avLst/>
+          </a:prstGeom>
+          <a:noFill/>
+        </p:spPr>
+        <p:txBody>
+          <a:bodyPr wrap="square" rtlCol="0">
+            <a:spAutoFit/>
+          </a:bodyPr>
+          <a:lstStyle/>
+          <a:p>
+            <a:pPr algn="ctr"/>
+            <a:r>
+              <a:rPr lang="en-US" sz="1400" dirty="0">
+                <a:solidFill>
+                  <a:srgbClr val="7030A0"/>
+                </a:solidFill>
+              </a:rPr>
+              <a:t>Dynamically-generated parameters</a:t>
+            </a:r>
+          </a:p>
+        </p:txBody>
+      </p:sp>
+    </p:spTree>
+    <p:extLst>
+      <p:ext uri="{BB962C8B-B14F-4D97-AF65-F5344CB8AC3E}">
+        <p14:creationId xmlns:p14="http://schemas.microsoft.com/office/powerpoint/2010/main" val="1256148372"/>
+      </p:ext>
+    </p:extLst>
+  </p:cSld>
+  <p:clrMapOvr>
+    <a:masterClrMapping/>
+  </p:clrMapOvr>
+</p:sld>
+</file>
+
+<file path=ppt/slides/slide3.xml><?xml version="1.0" encoding="utf-8"?>
+<p:sld xmlns:a="http://schemas.openxmlformats.org/drawingml/2006/main" xmlns:r="http://schemas.openxmlformats.org/officeDocument/2006/relationships" xmlns:p="http://schemas.openxmlformats.org/presentationml/2006/main">
+  <p:cSld>
+    <p:spTree>
+      <p:nvGrpSpPr>
+        <p:cNvPr id="1" name=""/>
+        <p:cNvGrpSpPr/>
+        <p:nvPr/>
+      </p:nvGrpSpPr>
+      <p:grpSpPr>
+        <a:xfrm>
+          <a:off x="0" y="0"/>
+          <a:ext cx="0" cy="0"/>
+          <a:chOff x="0" y="0"/>
+          <a:chExt cx="0" cy="0"/>
+        </a:xfrm>
+      </p:grpSpPr>
+      <p:pic>
+        <p:nvPicPr>
           <p:cNvPr id="5" name="Picture 4">
             <a:extLst>
               <a:ext uri="{FF2B5EF4-FFF2-40B4-BE49-F238E27FC236}">
@@ -4979,7 +5681,7 @@
 </p:sld>
 </file>
 
-<file path=ppt/slides/slide3.xml><?xml version="1.0" encoding="utf-8"?>
+<file path=ppt/slides/slide4.xml><?xml version="1.0" encoding="utf-8"?>
 <p:sld xmlns:a="http://schemas.openxmlformats.org/drawingml/2006/main" xmlns:r="http://schemas.openxmlformats.org/officeDocument/2006/relationships" xmlns:p="http://schemas.openxmlformats.org/presentationml/2006/main">
   <p:cSld>
     <p:spTree>
@@ -5320,8 +6022,8 @@
         </p:nvSpPr>
         <p:spPr>
           <a:xfrm>
-            <a:off x="2876747" y="4691742"/>
-            <a:ext cx="1325139" cy="1426029"/>
+            <a:off x="3088888" y="4691742"/>
+            <a:ext cx="1112998" cy="1426029"/>
           </a:xfrm>
           <a:prstGeom prst="roundRect">
             <a:avLst/>
@@ -5416,6 +6118,354 @@
           </a:p>
         </p:txBody>
       </p:sp>
+      <p:sp>
+        <p:nvSpPr>
+          <p:cNvPr id="10" name="TextBox 9">
+            <a:extLst>
+              <a:ext uri="{FF2B5EF4-FFF2-40B4-BE49-F238E27FC236}">
+                <a16:creationId xmlns:a16="http://schemas.microsoft.com/office/drawing/2014/main" id="{92D0C233-550A-6F49-9ED2-EF728E0A073E}"/>
+              </a:ext>
+            </a:extLst>
+          </p:cNvPr>
+          <p:cNvSpPr txBox="1"/>
+          <p:nvPr/>
+        </p:nvSpPr>
+        <p:spPr>
+          <a:xfrm>
+            <a:off x="7310364" y="2735414"/>
+            <a:ext cx="1867622" cy="523220"/>
+          </a:xfrm>
+          <a:prstGeom prst="rect">
+            <a:avLst/>
+          </a:prstGeom>
+          <a:noFill/>
+        </p:spPr>
+        <p:txBody>
+          <a:bodyPr wrap="square" rtlCol="0">
+            <a:spAutoFit/>
+          </a:bodyPr>
+          <a:lstStyle/>
+          <a:p>
+            <a:pPr algn="ctr"/>
+            <a:r>
+              <a:rPr lang="en-US" sz="1400" dirty="0">
+                <a:solidFill>
+                  <a:srgbClr val="7030A0"/>
+                </a:solidFill>
+              </a:rPr>
+              <a:t>Dynamically-generated features</a:t>
+            </a:r>
+          </a:p>
+        </p:txBody>
+      </p:sp>
+      <p:cxnSp>
+        <p:nvCxnSpPr>
+          <p:cNvPr id="11" name="Straight Arrow Connector 10">
+            <a:extLst>
+              <a:ext uri="{FF2B5EF4-FFF2-40B4-BE49-F238E27FC236}">
+                <a16:creationId xmlns:a16="http://schemas.microsoft.com/office/drawing/2014/main" id="{86C645E6-1165-CF43-8B1A-0E70ADD01F0B}"/>
+              </a:ext>
+            </a:extLst>
+          </p:cNvPr>
+          <p:cNvCxnSpPr>
+            <a:cxnSpLocks/>
+          </p:cNvCxnSpPr>
+          <p:nvPr/>
+        </p:nvCxnSpPr>
+        <p:spPr>
+          <a:xfrm flipH="1" flipV="1">
+            <a:off x="8285356" y="1014761"/>
+            <a:ext cx="1" cy="1611852"/>
+          </a:xfrm>
+          <a:prstGeom prst="straightConnector1">
+            <a:avLst/>
+          </a:prstGeom>
+          <a:ln w="25400">
+            <a:solidFill>
+              <a:srgbClr val="7030A0"/>
+            </a:solidFill>
+            <a:tailEnd type="triangle"/>
+          </a:ln>
+        </p:spPr>
+        <p:style>
+          <a:lnRef idx="1">
+            <a:schemeClr val="accent1"/>
+          </a:lnRef>
+          <a:fillRef idx="0">
+            <a:schemeClr val="accent1"/>
+          </a:fillRef>
+          <a:effectRef idx="0">
+            <a:schemeClr val="accent1"/>
+          </a:effectRef>
+          <a:fontRef idx="minor">
+            <a:schemeClr val="tx1"/>
+          </a:fontRef>
+        </p:style>
+      </p:cxnSp>
+      <p:cxnSp>
+        <p:nvCxnSpPr>
+          <p:cNvPr id="14" name="Straight Arrow Connector 13">
+            <a:extLst>
+              <a:ext uri="{FF2B5EF4-FFF2-40B4-BE49-F238E27FC236}">
+                <a16:creationId xmlns:a16="http://schemas.microsoft.com/office/drawing/2014/main" id="{AEBE6F41-946A-C34C-BD10-32709C9593BA}"/>
+              </a:ext>
+            </a:extLst>
+          </p:cNvPr>
+          <p:cNvCxnSpPr>
+            <a:cxnSpLocks/>
+          </p:cNvCxnSpPr>
+          <p:nvPr/>
+        </p:nvCxnSpPr>
+        <p:spPr>
+          <a:xfrm flipH="1" flipV="1">
+            <a:off x="7284316" y="1240021"/>
+            <a:ext cx="680381" cy="1386592"/>
+          </a:xfrm>
+          <a:prstGeom prst="straightConnector1">
+            <a:avLst/>
+          </a:prstGeom>
+          <a:ln w="25400">
+            <a:solidFill>
+              <a:srgbClr val="7030A0"/>
+            </a:solidFill>
+            <a:tailEnd type="triangle"/>
+          </a:ln>
+        </p:spPr>
+        <p:style>
+          <a:lnRef idx="1">
+            <a:schemeClr val="accent1"/>
+          </a:lnRef>
+          <a:fillRef idx="0">
+            <a:schemeClr val="accent1"/>
+          </a:fillRef>
+          <a:effectRef idx="0">
+            <a:schemeClr val="accent1"/>
+          </a:effectRef>
+          <a:fontRef idx="minor">
+            <a:schemeClr val="tx1"/>
+          </a:fontRef>
+        </p:style>
+      </p:cxnSp>
+      <p:cxnSp>
+        <p:nvCxnSpPr>
+          <p:cNvPr id="17" name="Straight Arrow Connector 16">
+            <a:extLst>
+              <a:ext uri="{FF2B5EF4-FFF2-40B4-BE49-F238E27FC236}">
+                <a16:creationId xmlns:a16="http://schemas.microsoft.com/office/drawing/2014/main" id="{4AD5D268-5762-DE4B-ADBC-211CC16BB71D}"/>
+              </a:ext>
+            </a:extLst>
+          </p:cNvPr>
+          <p:cNvCxnSpPr>
+            <a:cxnSpLocks/>
+          </p:cNvCxnSpPr>
+          <p:nvPr/>
+        </p:nvCxnSpPr>
+        <p:spPr>
+          <a:xfrm flipH="1" flipV="1">
+            <a:off x="5060828" y="928149"/>
+            <a:ext cx="2504705" cy="1698464"/>
+          </a:xfrm>
+          <a:prstGeom prst="straightConnector1">
+            <a:avLst/>
+          </a:prstGeom>
+          <a:ln w="25400">
+            <a:solidFill>
+              <a:srgbClr val="7030A0"/>
+            </a:solidFill>
+            <a:tailEnd type="triangle"/>
+          </a:ln>
+        </p:spPr>
+        <p:style>
+          <a:lnRef idx="1">
+            <a:schemeClr val="accent1"/>
+          </a:lnRef>
+          <a:fillRef idx="0">
+            <a:schemeClr val="accent1"/>
+          </a:fillRef>
+          <a:effectRef idx="0">
+            <a:schemeClr val="accent1"/>
+          </a:effectRef>
+          <a:fontRef idx="minor">
+            <a:schemeClr val="tx1"/>
+          </a:fontRef>
+        </p:style>
+      </p:cxnSp>
+      <p:cxnSp>
+        <p:nvCxnSpPr>
+          <p:cNvPr id="21" name="Straight Arrow Connector 20">
+            <a:extLst>
+              <a:ext uri="{FF2B5EF4-FFF2-40B4-BE49-F238E27FC236}">
+                <a16:creationId xmlns:a16="http://schemas.microsoft.com/office/drawing/2014/main" id="{F60D5FE6-ACA0-5B4B-9580-DA1AFD2B49EF}"/>
+              </a:ext>
+            </a:extLst>
+          </p:cNvPr>
+          <p:cNvCxnSpPr>
+            <a:cxnSpLocks/>
+          </p:cNvCxnSpPr>
+          <p:nvPr/>
+        </p:nvCxnSpPr>
+        <p:spPr>
+          <a:xfrm flipH="1" flipV="1">
+            <a:off x="3346162" y="1096574"/>
+            <a:ext cx="3843160" cy="1632227"/>
+          </a:xfrm>
+          <a:prstGeom prst="straightConnector1">
+            <a:avLst/>
+          </a:prstGeom>
+          <a:ln w="25400">
+            <a:solidFill>
+              <a:srgbClr val="7030A0"/>
+            </a:solidFill>
+            <a:tailEnd type="triangle"/>
+          </a:ln>
+        </p:spPr>
+        <p:style>
+          <a:lnRef idx="1">
+            <a:schemeClr val="accent1"/>
+          </a:lnRef>
+          <a:fillRef idx="0">
+            <a:schemeClr val="accent1"/>
+          </a:fillRef>
+          <a:effectRef idx="0">
+            <a:schemeClr val="accent1"/>
+          </a:effectRef>
+          <a:fontRef idx="minor">
+            <a:schemeClr val="tx1"/>
+          </a:fontRef>
+        </p:style>
+      </p:cxnSp>
+      <p:cxnSp>
+        <p:nvCxnSpPr>
+          <p:cNvPr id="24" name="Straight Arrow Connector 23">
+            <a:extLst>
+              <a:ext uri="{FF2B5EF4-FFF2-40B4-BE49-F238E27FC236}">
+                <a16:creationId xmlns:a16="http://schemas.microsoft.com/office/drawing/2014/main" id="{8377C5C5-7838-DC45-9DC2-DA35630AB756}"/>
+              </a:ext>
+            </a:extLst>
+          </p:cNvPr>
+          <p:cNvCxnSpPr>
+            <a:cxnSpLocks/>
+          </p:cNvCxnSpPr>
+          <p:nvPr/>
+        </p:nvCxnSpPr>
+        <p:spPr>
+          <a:xfrm flipH="1">
+            <a:off x="5523746" y="2885097"/>
+            <a:ext cx="1665576" cy="297288"/>
+          </a:xfrm>
+          <a:prstGeom prst="straightConnector1">
+            <a:avLst/>
+          </a:prstGeom>
+          <a:ln w="25400">
+            <a:solidFill>
+              <a:srgbClr val="7030A0"/>
+            </a:solidFill>
+            <a:tailEnd type="triangle"/>
+          </a:ln>
+        </p:spPr>
+        <p:style>
+          <a:lnRef idx="1">
+            <a:schemeClr val="accent1"/>
+          </a:lnRef>
+          <a:fillRef idx="0">
+            <a:schemeClr val="accent1"/>
+          </a:fillRef>
+          <a:effectRef idx="0">
+            <a:schemeClr val="accent1"/>
+          </a:effectRef>
+          <a:fontRef idx="minor">
+            <a:schemeClr val="tx1"/>
+          </a:fontRef>
+        </p:style>
+      </p:cxnSp>
+      <p:cxnSp>
+        <p:nvCxnSpPr>
+          <p:cNvPr id="27" name="Straight Arrow Connector 26">
+            <a:extLst>
+              <a:ext uri="{FF2B5EF4-FFF2-40B4-BE49-F238E27FC236}">
+                <a16:creationId xmlns:a16="http://schemas.microsoft.com/office/drawing/2014/main" id="{66298AAB-7983-D748-B5AF-A0963A272929}"/>
+              </a:ext>
+            </a:extLst>
+          </p:cNvPr>
+          <p:cNvCxnSpPr>
+            <a:cxnSpLocks/>
+          </p:cNvCxnSpPr>
+          <p:nvPr/>
+        </p:nvCxnSpPr>
+        <p:spPr>
+          <a:xfrm flipH="1">
+            <a:off x="4201886" y="3037497"/>
+            <a:ext cx="3139836" cy="2367259"/>
+          </a:xfrm>
+          <a:prstGeom prst="straightConnector1">
+            <a:avLst/>
+          </a:prstGeom>
+          <a:ln w="25400">
+            <a:solidFill>
+              <a:srgbClr val="7030A0"/>
+            </a:solidFill>
+            <a:tailEnd type="triangle"/>
+          </a:ln>
+        </p:spPr>
+        <p:style>
+          <a:lnRef idx="1">
+            <a:schemeClr val="accent1"/>
+          </a:lnRef>
+          <a:fillRef idx="0">
+            <a:schemeClr val="accent1"/>
+          </a:fillRef>
+          <a:effectRef idx="0">
+            <a:schemeClr val="accent1"/>
+          </a:effectRef>
+          <a:fontRef idx="minor">
+            <a:schemeClr val="tx1"/>
+          </a:fontRef>
+        </p:style>
+      </p:cxnSp>
+      <p:cxnSp>
+        <p:nvCxnSpPr>
+          <p:cNvPr id="29" name="Straight Arrow Connector 28">
+            <a:extLst>
+              <a:ext uri="{FF2B5EF4-FFF2-40B4-BE49-F238E27FC236}">
+                <a16:creationId xmlns:a16="http://schemas.microsoft.com/office/drawing/2014/main" id="{570517F7-A177-2C4B-B4D5-581D11097490}"/>
+              </a:ext>
+            </a:extLst>
+          </p:cNvPr>
+          <p:cNvCxnSpPr>
+            <a:cxnSpLocks/>
+          </p:cNvCxnSpPr>
+          <p:nvPr/>
+        </p:nvCxnSpPr>
+        <p:spPr>
+          <a:xfrm flipH="1">
+            <a:off x="7470539" y="3182385"/>
+            <a:ext cx="322873" cy="880757"/>
+          </a:xfrm>
+          <a:prstGeom prst="straightConnector1">
+            <a:avLst/>
+          </a:prstGeom>
+          <a:ln w="25400">
+            <a:solidFill>
+              <a:srgbClr val="7030A0"/>
+            </a:solidFill>
+            <a:tailEnd type="triangle"/>
+          </a:ln>
+        </p:spPr>
+        <p:style>
+          <a:lnRef idx="1">
+            <a:schemeClr val="accent1"/>
+          </a:lnRef>
+          <a:fillRef idx="0">
+            <a:schemeClr val="accent1"/>
+          </a:fillRef>
+          <a:effectRef idx="0">
+            <a:schemeClr val="accent1"/>
+          </a:effectRef>
+          <a:fontRef idx="minor">
+            <a:schemeClr val="tx1"/>
+          </a:fontRef>
+        </p:style>
+      </p:cxnSp>
     </p:spTree>
     <p:extLst>
       <p:ext uri="{BB962C8B-B14F-4D97-AF65-F5344CB8AC3E}">
